--- a/presentation/The impact of pedestrians at roundabout.pptx
+++ b/presentation/The impact of pedestrians at roundabout.pptx
@@ -291,7 +291,7 @@
               <a:rPr lang="de-DE" smtClean="0">
                 <a:latin typeface="Arial" panose="020B0604020202020204" pitchFamily="34" charset="0"/>
               </a:rPr>
-              <a:t>19.12.16</a:t>
+              <a:t>20.12.16</a:t>
             </a:fld>
             <a:endParaRPr lang="de-DE" dirty="0">
               <a:latin typeface="Arial" panose="020B0604020202020204" pitchFamily="34" charset="0"/>
@@ -470,7 +470,7 @@
             <a:fld id="{BCDB334D-D17F-49C4-91DD-37BB7E818209}" type="datetimeFigureOut">
               <a:rPr lang="de-CH" smtClean="0"/>
               <a:pPr/>
-              <a:t>19.12.16</a:t>
+              <a:t>20.12.16</a:t>
             </a:fld>
             <a:endParaRPr lang="de-CH" dirty="0"/>
           </a:p>
@@ -42560,15 +42560,7 @@
           <a:p>
             <a:r>
               <a:rPr lang="en-GB" dirty="0" smtClean="0"/>
-              <a:t>A simulation in the context of </a:t>
-            </a:r>
-            <a:r>
-              <a:rPr lang="en-GB" dirty="0" smtClean="0"/>
-              <a:t>the </a:t>
-            </a:r>
-            <a:r>
-              <a:rPr lang="en-GB" dirty="0" smtClean="0"/>
-              <a:t>lecture, Modelling </a:t>
+              <a:t>A simulation in the context of the lecture, Modelling </a:t>
             </a:r>
             <a:r>
               <a:rPr lang="en-GB" dirty="0"/>
@@ -42708,10 +42700,6 @@
             <a:r>
               <a:rPr lang="de-DE" dirty="0"/>
               <a:t> </a:t>
-            </a:r>
-            <a:r>
-              <a:rPr lang="de-DE" dirty="0"/>
-              <a:t/>
             </a:r>
             <a:br>
               <a:rPr lang="de-DE" dirty="0"/>
@@ -43111,7 +43099,6 @@
               <a:rPr lang="en-GB" dirty="0"/>
               <a:t>/2237/20517/2/10680本文.pdf</a:t>
             </a:r>
-            <a:endParaRPr lang="en-GB" dirty="0"/>
           </a:p>
         </p:txBody>
       </p:sp>
@@ -43643,8 +43630,32 @@
           <a:lstStyle/>
           <a:p>
             <a:r>
+              <a:rPr lang="en-GB" dirty="0" err="1" smtClean="0"/>
+              <a:t>Minorflow</a:t>
+            </a:r>
+            <a:r>
               <a:rPr lang="en-GB" dirty="0" smtClean="0"/>
-              <a:t>Entry-capacity Cs: How many vehicles can enter one accepted gap and </a:t>
+              <a:t>: Vehicles intending to merge into the roundabout</a:t>
+            </a:r>
+          </a:p>
+          <a:p>
+            <a:r>
+              <a:rPr lang="en-GB" dirty="0" err="1" smtClean="0"/>
+              <a:t>Majorflows</a:t>
+            </a:r>
+            <a:r>
+              <a:rPr lang="en-GB" dirty="0" smtClean="0"/>
+              <a:t>: Pedestrians crossing and circulating vehicles</a:t>
+            </a:r>
+          </a:p>
+          <a:p>
+            <a:r>
+              <a:rPr lang="en-GB" dirty="0" smtClean="0"/>
+              <a:t>Entry-capacity </a:t>
+            </a:r>
+            <a:r>
+              <a:rPr lang="en-GB" dirty="0" smtClean="0"/>
+              <a:t>Cs: How many vehicles can enter one accepted gap and </a:t>
             </a:r>
             <a:r>
               <a:rPr lang="en-GB" dirty="0"/>
@@ -43653,26 +43664,6 @@
             <a:r>
               <a:rPr lang="en-GB" dirty="0" smtClean="0"/>
               <a:t>ow accepted gaps are provided</a:t>
-            </a:r>
-          </a:p>
-          <a:p>
-            <a:r>
-              <a:rPr lang="en-GB" dirty="0" err="1" smtClean="0"/>
-              <a:t>Minorflow</a:t>
-            </a:r>
-            <a:r>
-              <a:rPr lang="en-GB" dirty="0" smtClean="0"/>
-              <a:t>: Vehicles intending to merge into the roundabout</a:t>
-            </a:r>
-          </a:p>
-          <a:p>
-            <a:r>
-              <a:rPr lang="en-GB" dirty="0" err="1" smtClean="0"/>
-              <a:t>Majorflows</a:t>
-            </a:r>
-            <a:r>
-              <a:rPr lang="en-GB" dirty="0" smtClean="0"/>
-              <a:t>: Pedestrians crossing and circulating vehicles</a:t>
             </a:r>
           </a:p>
           <a:p>
@@ -44111,6 +44102,71 @@
             <a:r>
               <a:rPr lang="de-DE" sz="800" dirty="0" smtClean="0"/>
               <a:t>2</a:t>
+            </a:r>
+            <a:endParaRPr lang="de-DE" sz="800" dirty="0"/>
+          </a:p>
+        </p:txBody>
+      </p:sp>
+      <p:pic>
+        <p:nvPicPr>
+          <p:cNvPr id="9" name="Inhaltsplatzhalter 1"/>
+          <p:cNvPicPr>
+            <a:picLocks noChangeAspect="1"/>
+          </p:cNvPicPr>
+          <p:nvPr/>
+        </p:nvPicPr>
+        <p:blipFill rotWithShape="1">
+          <a:blip r:embed="rId3">
+            <a:extLst>
+              <a:ext uri="{28A0092B-C50C-407E-A947-70E740481C1C}">
+                <a14:useLocalDpi xmlns:a14="http://schemas.microsoft.com/office/drawing/2010/main" val="0"/>
+              </a:ext>
+            </a:extLst>
+          </a:blip>
+          <a:srcRect l="7626" t="3302" r="8712" b="49362"/>
+          <a:stretch/>
+        </p:blipFill>
+        <p:spPr>
+          <a:xfrm>
+            <a:off x="1327779" y="4710209"/>
+            <a:ext cx="2024268" cy="1527079"/>
+          </a:xfrm>
+          <a:prstGeom prst="rect">
+            <a:avLst/>
+          </a:prstGeom>
+        </p:spPr>
+      </p:pic>
+      <p:sp>
+        <p:nvSpPr>
+          <p:cNvPr id="12" name="Textfeld 11"/>
+          <p:cNvSpPr txBox="1"/>
+          <p:nvPr/>
+        </p:nvSpPr>
+        <p:spPr>
+          <a:xfrm>
+            <a:off x="1619672" y="4957521"/>
+            <a:ext cx="360040" cy="215444"/>
+          </a:xfrm>
+          <a:prstGeom prst="rect">
+            <a:avLst/>
+          </a:prstGeom>
+          <a:solidFill>
+            <a:schemeClr val="bg1"/>
+          </a:solidFill>
+        </p:spPr>
+        <p:txBody>
+          <a:bodyPr wrap="square" rtlCol="0">
+            <a:spAutoFit/>
+          </a:bodyPr>
+          <a:lstStyle/>
+          <a:p>
+            <a:r>
+              <a:rPr lang="de-DE" sz="800" dirty="0" smtClean="0"/>
+              <a:t> </a:t>
+            </a:r>
+            <a:r>
+              <a:rPr lang="de-DE" sz="800" dirty="0" err="1" smtClean="0"/>
+              <a:t>n_a</a:t>
             </a:r>
             <a:endParaRPr lang="de-DE" sz="800" dirty="0"/>
           </a:p>
@@ -44202,8 +44258,13 @@
           <a:p>
             <a:r>
               <a:rPr lang="en-GB" dirty="0" smtClean="0"/>
-              <a:t>Two different Implementation</a:t>
-            </a:r>
+              <a:t>Two different </a:t>
+            </a:r>
+            <a:r>
+              <a:rPr lang="en-GB" dirty="0" smtClean="0"/>
+              <a:t>Implementations</a:t>
+            </a:r>
+            <a:endParaRPr lang="en-GB" dirty="0" smtClean="0"/>
           </a:p>
           <a:p>
             <a:r>
@@ -44917,7 +44978,6 @@
               <a:rPr lang="en-GB" dirty="0" smtClean="0"/>
               <a:t>First implementation was not very accurate</a:t>
             </a:r>
-            <a:endParaRPr lang="en-GB" dirty="0" smtClean="0"/>
           </a:p>
           <a:p>
             <a:r>
@@ -44950,13 +45010,29 @@
             </a:r>
             <a:r>
               <a:rPr lang="en-GB" dirty="0" smtClean="0"/>
-              <a:t> variate over 24 hours</a:t>
-            </a:r>
-          </a:p>
-          <a:p>
+              <a:t> </a:t>
+            </a:r>
             <a:r>
               <a:rPr lang="en-GB" dirty="0" smtClean="0"/>
-              <a:t>Only an improvement of 11 percent over a day</a:t>
+              <a:t>vary </a:t>
+            </a:r>
+            <a:r>
+              <a:rPr lang="en-GB" dirty="0" smtClean="0"/>
+              <a:t>over 24 hours</a:t>
+            </a:r>
+          </a:p>
+          <a:p>
+            <a:r>
+              <a:rPr lang="en-GB" dirty="0" smtClean="0"/>
+              <a:t>Only an improvement of </a:t>
+            </a:r>
+            <a:r>
+              <a:rPr lang="en-GB" dirty="0" smtClean="0"/>
+              <a:t>eleven percent </a:t>
+            </a:r>
+            <a:r>
+              <a:rPr lang="en-GB" dirty="0" smtClean="0"/>
+              <a:t>over a day</a:t>
             </a:r>
             <a:endParaRPr lang="en-GB" dirty="0"/>
           </a:p>
@@ -44965,7 +45041,6 @@
               <a:rPr lang="en-GB" dirty="0" smtClean="0"/>
               <a:t>Big improvement between 10am and 5pm</a:t>
             </a:r>
-            <a:endParaRPr lang="en-GB" dirty="0" smtClean="0"/>
           </a:p>
         </p:txBody>
       </p:sp>
@@ -45171,16 +45246,13 @@
           <a:p>
             <a:r>
               <a:rPr lang="en-GB" dirty="0" smtClean="0"/>
-              <a:t>Behaves as expected </a:t>
-            </a:r>
-            <a:r>
-              <a:rPr lang="en-GB" dirty="0"/>
-              <a:t>and </a:t>
+              <a:t>Behaves as </a:t>
             </a:r>
             <a:r>
               <a:rPr lang="en-GB" dirty="0" smtClean="0"/>
-              <a:t>correlates</a:t>
-            </a:r>
+              <a:t>expected</a:t>
+            </a:r>
+            <a:endParaRPr lang="en-GB" dirty="0" smtClean="0"/>
           </a:p>
           <a:p>
             <a:r>
@@ -45188,12 +45260,12 @@
               <a:t>Model is highly </a:t>
             </a:r>
             <a:r>
-              <a:rPr lang="en-GB" dirty="0" err="1"/>
-              <a:t>symplified</a:t>
+              <a:rPr lang="en-GB" dirty="0" smtClean="0"/>
+              <a:t>simplified </a:t>
             </a:r>
             <a:r>
               <a:rPr lang="en-GB" dirty="0"/>
-              <a:t> but still gives consistent </a:t>
+              <a:t>but still gives consistent </a:t>
             </a:r>
             <a:r>
               <a:rPr lang="en-GB" dirty="0" smtClean="0"/>
@@ -45213,11 +45285,7 @@
           <a:p>
             <a:r>
               <a:rPr lang="en-GB" dirty="0" smtClean="0"/>
-              <a:t>Next </a:t>
-            </a:r>
-            <a:r>
-              <a:rPr lang="en-GB" dirty="0" smtClean="0"/>
-              <a:t>step real Data</a:t>
+              <a:t>Next step actual data of a roundabout</a:t>
             </a:r>
           </a:p>
         </p:txBody>
